--- a/Silde/Wednesday_Group6_Pre2.pptx
+++ b/Silde/Wednesday_Group6_Pre2.pptx
@@ -4702,7 +4702,7 @@
         </p:blipFill>
         <p:spPr>
           <a:xfrm>
-            <a:off x="465691" y="2060025"/>
+            <a:off x="1562893" y="2072217"/>
             <a:ext cx="7286538" cy="3194426"/>
           </a:xfrm>
           <a:prstGeom prst="rect">
@@ -4710,8 +4710,8 @@
           </a:prstGeom>
         </p:spPr>
       </p:pic>
-      <mc:AlternateContent xmlns:mc="http://schemas.openxmlformats.org/markup-compatibility/2006" xmlns:a14="http://schemas.microsoft.com/office/drawing/2010/main">
-        <mc:Choice Requires="a14">
+      <mc:AlternateContent xmlns:mc="http://schemas.openxmlformats.org/markup-compatibility/2006">
+        <mc:Choice xmlns:a14="http://schemas.microsoft.com/office/drawing/2010/main" Requires="a14">
           <p:sp>
             <p:nvSpPr>
               <p:cNvPr id="3" name="TextBox 2">
@@ -4726,7 +4726,7 @@
             </p:nvSpPr>
             <p:spPr>
               <a:xfrm>
-                <a:off x="356347" y="5701553"/>
+                <a:off x="1051021" y="5725937"/>
                 <a:ext cx="8310282" cy="879856"/>
               </a:xfrm>
               <a:prstGeom prst="rect">
@@ -4925,7 +4925,7 @@
             </p:txBody>
           </p:sp>
         </mc:Choice>
-        <mc:Fallback xmlns="">
+        <mc:Fallback>
           <p:sp>
             <p:nvSpPr>
               <p:cNvPr id="3" name="TextBox 2">
@@ -4942,7 +4942,7 @@
             </p:nvSpPr>
             <p:spPr>
               <a:xfrm>
-                <a:off x="356347" y="5701553"/>
+                <a:off x="1051021" y="5725937"/>
                 <a:ext cx="8310282" cy="879856"/>
               </a:xfrm>
               <a:prstGeom prst="rect">
@@ -4951,7 +4951,7 @@
               <a:blipFill>
                 <a:blip r:embed="rId3"/>
                 <a:stretch>
-                  <a:fillRect/>
+                  <a:fillRect t="-95714" b="-144286"/>
                 </a:stretch>
               </a:blipFill>
             </p:spPr>
@@ -4960,7 +4960,7 @@
               <a:lstStyle/>
               <a:p>
                 <a:r>
-                  <a:rPr lang="zh-CN" altLang="en-US">
+                  <a:rPr lang="en-US">
                     <a:noFill/>
                   </a:rPr>
                   <a:t> </a:t>
@@ -5063,13 +5063,13 @@
           <p:nvPr>
             <p:extLst>
               <p:ext uri="{D42A27DB-BD31-4B8C-83A1-F6EECF244321}">
-                <p14:modId xmlns:p14="http://schemas.microsoft.com/office/powerpoint/2010/main" val="1630455806"/>
+                <p14:modId xmlns:p14="http://schemas.microsoft.com/office/powerpoint/2010/main" val="3933962674"/>
               </p:ext>
             </p:extLst>
           </p:nvPr>
         </p:nvGraphicFramePr>
         <p:xfrm>
-          <a:off x="4106582" y="2716134"/>
+          <a:off x="2533814" y="2472294"/>
           <a:ext cx="6805706" cy="3583640"/>
         </p:xfrm>
         <a:graphic>
@@ -7906,7 +7906,7 @@
         </p:blipFill>
         <p:spPr>
           <a:xfrm>
-            <a:off x="574027" y="2336444"/>
+            <a:off x="1159243" y="2531516"/>
             <a:ext cx="9886950" cy="2371725"/>
           </a:xfrm>
           <a:prstGeom prst="rect">
@@ -8037,7 +8037,7 @@
         </p:blipFill>
         <p:spPr>
           <a:xfrm>
-            <a:off x="860396" y="1542402"/>
+            <a:off x="1639954" y="1542402"/>
             <a:ext cx="8211970" cy="5315598"/>
           </a:xfrm>
           <a:prstGeom prst="rect">
@@ -8396,7 +8396,7 @@
         </p:blipFill>
         <p:spPr>
           <a:xfrm>
-            <a:off x="-1660431" y="3014627"/>
+            <a:off x="-1292842" y="3014627"/>
             <a:ext cx="12697986" cy="2589759"/>
           </a:xfrm>
           <a:prstGeom prst="rect">
@@ -8575,7 +8575,7 @@
         </p:blipFill>
         <p:spPr>
           <a:xfrm>
-            <a:off x="-1784555" y="2491406"/>
+            <a:off x="-1175526" y="2491406"/>
             <a:ext cx="12758321" cy="4145368"/>
           </a:xfrm>
           <a:prstGeom prst="rect">

--- a/Silde/Wednesday_Group6_Pre2.pptx
+++ b/Silde/Wednesday_Group6_Pre2.pptx
@@ -4710,8 +4710,8 @@
           </a:prstGeom>
         </p:spPr>
       </p:pic>
-      <mc:AlternateContent xmlns:mc="http://schemas.openxmlformats.org/markup-compatibility/2006">
-        <mc:Choice xmlns:a14="http://schemas.microsoft.com/office/drawing/2010/main" Requires="a14">
+      <mc:AlternateContent xmlns:mc="http://schemas.openxmlformats.org/markup-compatibility/2006" xmlns:a14="http://schemas.microsoft.com/office/drawing/2010/main">
+        <mc:Choice Requires="a14">
           <p:sp>
             <p:nvSpPr>
               <p:cNvPr id="3" name="TextBox 2">
@@ -4925,7 +4925,7 @@
             </p:txBody>
           </p:sp>
         </mc:Choice>
-        <mc:Fallback>
+        <mc:Fallback xmlns="">
           <p:sp>
             <p:nvSpPr>
               <p:cNvPr id="3" name="TextBox 2">
@@ -6222,7 +6222,7 @@
           <p:nvPr>
             <p:extLst>
               <p:ext uri="{D42A27DB-BD31-4B8C-83A1-F6EECF244321}">
-                <p14:modId xmlns:p14="http://schemas.microsoft.com/office/powerpoint/2010/main" val="1285071547"/>
+                <p14:modId xmlns:p14="http://schemas.microsoft.com/office/powerpoint/2010/main" val="3332023212"/>
               </p:ext>
             </p:extLst>
           </p:nvPr>
@@ -6407,7 +6407,15 @@
                     <a:p>
                       <a:r>
                         <a:rPr lang="en-US" altLang="zh-CN" dirty="0"/>
-                        <a:t>0.702</a:t>
+                        <a:t>0.7</a:t>
+                      </a:r>
+                      <a:r>
+                        <a:rPr lang="en-US" altLang="zh-Hans" dirty="0"/>
+                        <a:t>4</a:t>
+                      </a:r>
+                      <a:r>
+                        <a:rPr lang="en-US" altLang="zh-CN" dirty="0"/>
+                        <a:t>2</a:t>
                       </a:r>
                       <a:endParaRPr lang="zh-CN" altLang="en-US" dirty="0"/>
                     </a:p>
@@ -6647,7 +6655,11 @@
                     <a:p>
                       <a:r>
                         <a:rPr lang="en-US" altLang="zh-CN" dirty="0"/>
-                        <a:t>0.846</a:t>
+                        <a:t>0.</a:t>
+                      </a:r>
+                      <a:r>
+                        <a:rPr lang="en-US" altLang="zh-Hans" dirty="0"/>
+                        <a:t>793</a:t>
                       </a:r>
                       <a:endParaRPr lang="zh-CN" altLang="en-US" dirty="0"/>
                     </a:p>
@@ -6692,7 +6704,11 @@
                     <a:p>
                       <a:r>
                         <a:rPr lang="en-US" altLang="zh-CN" dirty="0"/>
-                        <a:t>0.886</a:t>
+                        <a:t>0.</a:t>
+                      </a:r>
+                      <a:r>
+                        <a:rPr lang="en-US" altLang="zh-Hans" dirty="0"/>
+                        <a:t>943</a:t>
                       </a:r>
                       <a:endParaRPr lang="zh-CN" altLang="en-US" dirty="0"/>
                     </a:p>
@@ -6741,8 +6757,12 @@
                     <a:lstStyle/>
                     <a:p>
                       <a:r>
-                        <a:rPr lang="en-US" altLang="zh-CN" dirty="0"/>
-                        <a:t>0.855</a:t>
+                        <a:rPr lang="en-US" altLang="zh-CN"/>
+                        <a:t>0.8</a:t>
+                      </a:r>
+                      <a:r>
+                        <a:rPr lang="en-US" altLang="zh-Hans"/>
+                        <a:t>46</a:t>
                       </a:r>
                       <a:endParaRPr lang="zh-CN" altLang="en-US" dirty="0"/>
                     </a:p>
@@ -6788,7 +6808,11 @@
                     <a:p>
                       <a:r>
                         <a:rPr lang="en-US" altLang="zh-CN" dirty="0"/>
-                        <a:t>0.839</a:t>
+                        <a:t>0.</a:t>
+                      </a:r>
+                      <a:r>
+                        <a:rPr lang="en-US" altLang="zh-Hans" dirty="0"/>
+                        <a:t>965</a:t>
                       </a:r>
                       <a:endParaRPr lang="zh-CN" altLang="en-US" dirty="0"/>
                     </a:p>
